--- a/Apresentação 2.pptx
+++ b/Apresentação 2.pptx
@@ -142,7 +142,7 @@
       </p14:sectionLst>
     </p:ext>
     <p:ext uri="{EFAFB233-063F-42B5-8137-9DF3F51BA10A}">
-      <p15:sldGuideLst xmlns:p15="http://schemas.microsoft.com/office/powerpoint/2012/main">
+      <p15:sldGuideLst xmlns:p15="http://schemas.microsoft.com/office/powerpoint/2012/main" xmlns="">
         <p15:guide id="1" orient="horz" pos="2160">
           <p15:clr>
             <a:srgbClr val="A4A3A4"/>
@@ -241,7 +241,7 @@
           <a:p>
             <a:fld id="{ED6C2EB7-4FE1-0145-BAAF-4D7DE7DF88C9}" type="datetimeFigureOut">
               <a:rPr lang="pt-BR" smtClean="0"/>
-              <a:t>30/05/16</a:t>
+              <a:t>31/05/2016</a:t>
             </a:fld>
             <a:endParaRPr lang="pt-BR"/>
           </a:p>
@@ -400,7 +400,7 @@
           <a:p>
             <a:fld id="{50F572C4-1653-A746-8182-35101AF0EA0D}" type="slidenum">
               <a:rPr lang="pt-BR" smtClean="0"/>
-              <a:t>‹n.º›</a:t>
+              <a:t>‹#›</a:t>
             </a:fld>
             <a:endParaRPr lang="pt-BR"/>
           </a:p>
@@ -700,7 +700,7 @@
           <a:p>
             <a:fld id="{7CF910A2-AEE9-494C-8ECE-D83CCFC17B69}" type="datetime1">
               <a:rPr lang="pt-BR" smtClean="0"/>
-              <a:t>30/05/16</a:t>
+              <a:t>31/05/2016</a:t>
             </a:fld>
             <a:endParaRPr lang="en-US" dirty="0"/>
           </a:p>
@@ -743,7 +743,7 @@
             <a:fld id="{D57F1E4F-1CFF-5643-939E-217C01CDF565}" type="slidenum">
               <a:rPr lang="en-US" smtClean="0"/>
               <a:pPr/>
-              <a:t>‹n.º›</a:t>
+              <a:t>‹#›</a:t>
             </a:fld>
             <a:endParaRPr lang="en-US" dirty="0" smtClean="0"/>
           </a:p>
@@ -936,7 +936,7 @@
   </p:clrMapOvr>
   <p:extLst>
     <p:ext uri="{DCECCB84-F9BA-43D5-87BE-67443E8EF086}">
-      <p15:sldGuideLst xmlns:p15="http://schemas.microsoft.com/office/powerpoint/2012/main"/>
+      <p15:sldGuideLst xmlns:p15="http://schemas.microsoft.com/office/powerpoint/2012/main" xmlns=""/>
     </p:ext>
   </p:extLst>
 </p:sldLayout>
@@ -1142,7 +1142,7 @@
           <a:p>
             <a:fld id="{DB63BD9E-5B88-0C4B-9505-8FCED04AF271}" type="datetime1">
               <a:rPr lang="pt-BR" smtClean="0"/>
-              <a:t>30/05/16</a:t>
+              <a:t>31/05/2016</a:t>
             </a:fld>
             <a:endParaRPr lang="en-US" dirty="0"/>
           </a:p>
@@ -1185,12 +1185,12 @@
             <a:fld id="{4ABF6952-4E48-774C-830F-434D8CB1F8AA}" type="slidenum">
               <a:rPr lang="en-US" smtClean="0"/>
               <a:pPr/>
-              <a:t>‹n.º›</a:t>
+              <a:t>‹#›</a:t>
             </a:fld>
             <a:fld id="{D57F1E4F-1CFF-5643-939E-217C01CDF565}" type="slidenum">
               <a:rPr lang="en-US" smtClean="0"/>
               <a:pPr/>
-              <a:t>‹n.º›</a:t>
+              <a:t>‹#›</a:t>
             </a:fld>
             <a:endParaRPr lang="en-US" dirty="0"/>
           </a:p>
@@ -1398,7 +1398,7 @@
           <a:p>
             <a:fld id="{2D31E35D-B975-3F4F-BFBA-FC0F271430BE}" type="datetime1">
               <a:rPr lang="pt-BR" smtClean="0"/>
-              <a:t>30/05/16</a:t>
+              <a:t>31/05/2016</a:t>
             </a:fld>
             <a:endParaRPr lang="en-US" dirty="0"/>
           </a:p>
@@ -1441,12 +1441,12 @@
             <a:fld id="{4ABF6952-4E48-774C-830F-434D8CB1F8AA}" type="slidenum">
               <a:rPr lang="en-US" smtClean="0"/>
               <a:pPr/>
-              <a:t>‹n.º›</a:t>
+              <a:t>‹#›</a:t>
             </a:fld>
             <a:fld id="{D57F1E4F-1CFF-5643-939E-217C01CDF565}" type="slidenum">
               <a:rPr lang="en-US" smtClean="0"/>
               <a:pPr/>
-              <a:t>‹n.º›</a:t>
+              <a:t>‹#›</a:t>
             </a:fld>
             <a:endParaRPr lang="en-US" dirty="0"/>
           </a:p>
@@ -1712,7 +1712,7 @@
           <a:p>
             <a:fld id="{C11DC2A2-1E04-6147-8E09-7B480616B389}" type="datetime1">
               <a:rPr lang="pt-BR" smtClean="0"/>
-              <a:t>30/05/16</a:t>
+              <a:t>31/05/2016</a:t>
             </a:fld>
             <a:endParaRPr lang="en-US" dirty="0"/>
           </a:p>
@@ -1755,12 +1755,12 @@
             <a:fld id="{4ABF6952-4E48-774C-830F-434D8CB1F8AA}" type="slidenum">
               <a:rPr lang="en-US" smtClean="0"/>
               <a:pPr/>
-              <a:t>‹n.º›</a:t>
+              <a:t>‹#›</a:t>
             </a:fld>
             <a:fld id="{D57F1E4F-1CFF-5643-939E-217C01CDF565}" type="slidenum">
               <a:rPr lang="en-US" smtClean="0"/>
               <a:pPr/>
-              <a:t>‹n.º›</a:t>
+              <a:t>‹#›</a:t>
             </a:fld>
             <a:endParaRPr lang="en-US" dirty="0"/>
           </a:p>
@@ -2036,7 +2036,7 @@
           <a:p>
             <a:fld id="{49E6E62F-DF90-7C45-B32E-F018412E7A1A}" type="datetime1">
               <a:rPr lang="pt-BR" smtClean="0"/>
-              <a:t>30/05/16</a:t>
+              <a:t>31/05/2016</a:t>
             </a:fld>
             <a:endParaRPr lang="en-US" dirty="0"/>
           </a:p>
@@ -2079,12 +2079,12 @@
             <a:fld id="{4ABF6952-4E48-774C-830F-434D8CB1F8AA}" type="slidenum">
               <a:rPr lang="en-US" smtClean="0"/>
               <a:pPr/>
-              <a:t>‹n.º›</a:t>
+              <a:t>‹#›</a:t>
             </a:fld>
             <a:fld id="{D57F1E4F-1CFF-5643-939E-217C01CDF565}" type="slidenum">
               <a:rPr lang="en-US" smtClean="0"/>
               <a:pPr/>
-              <a:t>‹n.º›</a:t>
+              <a:t>‹#›</a:t>
             </a:fld>
             <a:endParaRPr lang="en-US" dirty="0"/>
           </a:p>
@@ -2344,7 +2344,7 @@
           <a:p>
             <a:fld id="{010D4701-6CC1-3046-9984-CD40D45677DA}" type="datetime1">
               <a:rPr lang="pt-BR" smtClean="0"/>
-              <a:t>30/05/16</a:t>
+              <a:t>31/05/2016</a:t>
             </a:fld>
             <a:endParaRPr lang="en-US" dirty="0"/>
           </a:p>
@@ -2387,12 +2387,12 @@
             <a:fld id="{4ABF6952-4E48-774C-830F-434D8CB1F8AA}" type="slidenum">
               <a:rPr lang="en-US" smtClean="0"/>
               <a:pPr/>
-              <a:t>‹n.º›</a:t>
+              <a:t>‹#›</a:t>
             </a:fld>
             <a:fld id="{D57F1E4F-1CFF-5643-939E-217C01CDF565}" type="slidenum">
               <a:rPr lang="en-US" smtClean="0"/>
               <a:pPr/>
-              <a:t>‹n.º›</a:t>
+              <a:t>‹#›</a:t>
             </a:fld>
             <a:endParaRPr lang="en-US" dirty="0"/>
           </a:p>
@@ -2717,7 +2717,7 @@
           <a:p>
             <a:fld id="{F51D1A75-3DD2-BF4B-A756-F4C41EA5D713}" type="datetime1">
               <a:rPr lang="pt-BR" smtClean="0"/>
-              <a:t>30/05/16</a:t>
+              <a:t>31/05/2016</a:t>
             </a:fld>
             <a:endParaRPr lang="en-US" dirty="0"/>
           </a:p>
@@ -2760,12 +2760,12 @@
             <a:fld id="{4ABF6952-4E48-774C-830F-434D8CB1F8AA}" type="slidenum">
               <a:rPr lang="en-US" smtClean="0"/>
               <a:pPr/>
-              <a:t>‹n.º›</a:t>
+              <a:t>‹#›</a:t>
             </a:fld>
             <a:fld id="{D57F1E4F-1CFF-5643-939E-217C01CDF565}" type="slidenum">
               <a:rPr lang="en-US" smtClean="0"/>
               <a:pPr/>
-              <a:t>‹n.º›</a:t>
+              <a:t>‹#›</a:t>
             </a:fld>
             <a:endParaRPr lang="en-US" dirty="0"/>
           </a:p>
@@ -2897,7 +2897,7 @@
           <a:p>
             <a:fld id="{D0B0705F-BFA7-2146-82E4-F98876D59FC6}" type="datetime1">
               <a:rPr lang="pt-BR" smtClean="0"/>
-              <a:t>30/05/16</a:t>
+              <a:t>31/05/2016</a:t>
             </a:fld>
             <a:endParaRPr lang="en-US" dirty="0"/>
           </a:p>
@@ -2940,7 +2940,7 @@
             <a:fld id="{D57F1E4F-1CFF-5643-939E-217C01CDF565}" type="slidenum">
               <a:rPr lang="en-US" smtClean="0"/>
               <a:pPr/>
-              <a:t>‹n.º›</a:t>
+              <a:t>‹#›</a:t>
             </a:fld>
             <a:endParaRPr lang="en-US" dirty="0"/>
           </a:p>
@@ -3078,7 +3078,7 @@
           <a:p>
             <a:fld id="{AA053136-878A-1E42-8EBC-EE9076C842CC}" type="datetime1">
               <a:rPr lang="pt-BR" smtClean="0"/>
-              <a:t>30/05/16</a:t>
+              <a:t>31/05/2016</a:t>
             </a:fld>
             <a:endParaRPr lang="en-US" dirty="0"/>
           </a:p>
@@ -3121,7 +3121,7 @@
             <a:fld id="{D57F1E4F-1CFF-5643-939E-217C01CDF565}" type="slidenum">
               <a:rPr lang="en-US" smtClean="0"/>
               <a:pPr/>
-              <a:t>‹n.º›</a:t>
+              <a:t>‹#›</a:t>
             </a:fld>
             <a:endParaRPr lang="en-US" dirty="0"/>
           </a:p>
@@ -3249,7 +3249,7 @@
           <a:p>
             <a:fld id="{18A0768A-70D4-5341-89FE-2C77E4E108E6}" type="datetime1">
               <a:rPr lang="pt-BR" smtClean="0"/>
-              <a:t>30/05/16</a:t>
+              <a:t>31/05/2016</a:t>
             </a:fld>
             <a:endParaRPr lang="en-US" dirty="0"/>
           </a:p>
@@ -3292,7 +3292,7 @@
             <a:fld id="{D57F1E4F-1CFF-5643-939E-217C01CDF565}" type="slidenum">
               <a:rPr lang="en-US" smtClean="0"/>
               <a:pPr/>
-              <a:t>‹n.º›</a:t>
+              <a:t>‹#›</a:t>
             </a:fld>
             <a:endParaRPr lang="en-US" dirty="0"/>
           </a:p>
@@ -3573,7 +3573,7 @@
             <a:fld id="{D57F1E4F-1CFF-5643-939E-217C01CDF565}" type="slidenum">
               <a:rPr lang="en-US" smtClean="0"/>
               <a:pPr/>
-              <a:t>‹n.º›</a:t>
+              <a:t>‹#›</a:t>
             </a:fld>
             <a:endParaRPr lang="en-US" dirty="0"/>
           </a:p>
@@ -3774,7 +3774,7 @@
           <a:p>
             <a:fld id="{B56619BA-50EB-BE4E-B3B6-B042CA3512F6}" type="datetime1">
               <a:rPr lang="pt-BR" smtClean="0"/>
-              <a:t>30/05/16</a:t>
+              <a:t>31/05/2016</a:t>
             </a:fld>
             <a:endParaRPr lang="en-US" dirty="0"/>
           </a:p>
@@ -3817,7 +3817,7 @@
             <a:fld id="{D57F1E4F-1CFF-5643-939E-217C01CDF565}" type="slidenum">
               <a:rPr lang="en-US" smtClean="0"/>
               <a:pPr/>
-              <a:t>‹n.º›</a:t>
+              <a:t>‹#›</a:t>
             </a:fld>
             <a:endParaRPr lang="en-US" dirty="0"/>
           </a:p>
@@ -4157,7 +4157,7 @@
           <a:p>
             <a:fld id="{E7A703A8-BCAB-3341-BE6C-F6E5BAA2F38C}" type="datetime1">
               <a:rPr lang="pt-BR" smtClean="0"/>
-              <a:t>30/05/16</a:t>
+              <a:t>31/05/2016</a:t>
             </a:fld>
             <a:endParaRPr lang="en-US" dirty="0"/>
           </a:p>
@@ -4200,7 +4200,7 @@
             <a:fld id="{D57F1E4F-1CFF-5643-939E-217C01CDF565}" type="slidenum">
               <a:rPr lang="en-US" smtClean="0"/>
               <a:pPr/>
-              <a:t>‹n.º›</a:t>
+              <a:t>‹#›</a:t>
             </a:fld>
             <a:endParaRPr lang="en-US" dirty="0"/>
           </a:p>
@@ -4276,7 +4276,7 @@
           <a:p>
             <a:fld id="{354A6A2B-BB1B-ED42-B3E6-8A2921BA1BFD}" type="datetime1">
               <a:rPr lang="pt-BR" smtClean="0"/>
-              <a:t>30/05/16</a:t>
+              <a:t>31/05/2016</a:t>
             </a:fld>
             <a:endParaRPr lang="en-US" dirty="0"/>
           </a:p>
@@ -4319,7 +4319,7 @@
             <a:fld id="{D57F1E4F-1CFF-5643-939E-217C01CDF565}" type="slidenum">
               <a:rPr lang="en-US" smtClean="0"/>
               <a:pPr/>
-              <a:t>‹n.º›</a:t>
+              <a:t>‹#›</a:t>
             </a:fld>
             <a:endParaRPr lang="en-US" dirty="0"/>
           </a:p>
@@ -4372,7 +4372,7 @@
           <a:p>
             <a:fld id="{64B63E80-2319-074E-85E8-2C01938C4310}" type="datetime1">
               <a:rPr lang="pt-BR" smtClean="0"/>
-              <a:t>30/05/16</a:t>
+              <a:t>31/05/2016</a:t>
             </a:fld>
             <a:endParaRPr lang="en-US" dirty="0"/>
           </a:p>
@@ -4415,7 +4415,7 @@
             <a:fld id="{D57F1E4F-1CFF-5643-939E-217C01CDF565}" type="slidenum">
               <a:rPr lang="en-US" smtClean="0"/>
               <a:pPr/>
-              <a:t>‹n.º›</a:t>
+              <a:t>‹#›</a:t>
             </a:fld>
             <a:endParaRPr lang="en-US" dirty="0"/>
           </a:p>
@@ -4433,7 +4433,7 @@
   </p:clrMapOvr>
   <p:extLst>
     <p:ext uri="{DCECCB84-F9BA-43D5-87BE-67443E8EF086}">
-      <p15:sldGuideLst xmlns:p15="http://schemas.microsoft.com/office/powerpoint/2012/main"/>
+      <p15:sldGuideLst xmlns:p15="http://schemas.microsoft.com/office/powerpoint/2012/main" xmlns=""/>
     </p:ext>
   </p:extLst>
 </p:sldLayout>
@@ -4633,7 +4633,7 @@
           <a:p>
             <a:fld id="{83DCC015-2D07-C548-8FB4-2780CACB760D}" type="datetime1">
               <a:rPr lang="pt-BR" smtClean="0"/>
-              <a:t>30/05/16</a:t>
+              <a:t>31/05/2016</a:t>
             </a:fld>
             <a:endParaRPr lang="en-US" dirty="0"/>
           </a:p>
@@ -4676,7 +4676,7 @@
             <a:fld id="{D57F1E4F-1CFF-5643-939E-217C01CDF565}" type="slidenum">
               <a:rPr lang="en-US" smtClean="0"/>
               <a:pPr/>
-              <a:t>‹n.º›</a:t>
+              <a:t>‹#›</a:t>
             </a:fld>
             <a:endParaRPr lang="en-US" dirty="0"/>
           </a:p>
@@ -4694,7 +4694,7 @@
   </p:clrMapOvr>
   <p:extLst>
     <p:ext uri="{DCECCB84-F9BA-43D5-87BE-67443E8EF086}">
-      <p15:sldGuideLst xmlns:p15="http://schemas.microsoft.com/office/powerpoint/2012/main"/>
+      <p15:sldGuideLst xmlns:p15="http://schemas.microsoft.com/office/powerpoint/2012/main" xmlns=""/>
     </p:ext>
   </p:extLst>
 </p:sldLayout>
@@ -4922,7 +4922,7 @@
           <a:p>
             <a:fld id="{E528F2E4-DE8D-D64D-8368-708812B696C4}" type="datetime1">
               <a:rPr lang="pt-BR" smtClean="0"/>
-              <a:t>30/05/16</a:t>
+              <a:t>31/05/2016</a:t>
             </a:fld>
             <a:endParaRPr lang="en-US" dirty="0"/>
           </a:p>
@@ -4965,7 +4965,7 @@
             <a:fld id="{D57F1E4F-1CFF-5643-939E-217C01CDF565}" type="slidenum">
               <a:rPr lang="en-US" smtClean="0"/>
               <a:pPr/>
-              <a:t>‹n.º›</a:t>
+              <a:t>‹#›</a:t>
             </a:fld>
             <a:endParaRPr lang="en-US" dirty="0"/>
           </a:p>
@@ -5329,7 +5329,7 @@
           <a:p>
             <a:fld id="{95913753-D19B-8941-866F-AE50A85BE452}" type="datetime1">
               <a:rPr lang="pt-BR" smtClean="0"/>
-              <a:t>30/05/16</a:t>
+              <a:t>31/05/2016</a:t>
             </a:fld>
             <a:endParaRPr lang="en-US" dirty="0"/>
           </a:p>
@@ -5412,12 +5412,12 @@
             <a:fld id="{4ABF6952-4E48-774C-830F-434D8CB1F8AA}" type="slidenum">
               <a:rPr lang="en-US" smtClean="0"/>
               <a:pPr/>
-              <a:t>‹n.º›</a:t>
+              <a:t>‹#›</a:t>
             </a:fld>
             <a:fld id="{D57F1E4F-1CFF-5643-939E-217C01CDF565}" type="slidenum">
               <a:rPr lang="en-US" smtClean="0"/>
               <a:pPr/>
-              <a:t>‹n.º›</a:t>
+              <a:t>‹#›</a:t>
             </a:fld>
             <a:endParaRPr lang="en-US" dirty="0"/>
           </a:p>
@@ -5853,7 +5853,7 @@
   </p:txStyles>
   <p:extLst>
     <p:ext uri="{27BBF7A9-308A-43DC-89C8-2F10F3537804}">
-      <p15:sldGuideLst xmlns:p15="http://schemas.microsoft.com/office/powerpoint/2012/main"/>
+      <p15:sldGuideLst xmlns:p15="http://schemas.microsoft.com/office/powerpoint/2012/main" xmlns=""/>
     </p:ext>
   </p:extLst>
 </p:sldMaster>
@@ -6517,11 +6517,6 @@
               </a:rPr>
               <a:t>12. Perguntas</a:t>
             </a:r>
-            <a:endParaRPr lang="pt-BR" sz="1400" dirty="0">
-              <a:solidFill>
-                <a:schemeClr val="tx1"/>
-              </a:solidFill>
-            </a:endParaRPr>
           </a:p>
         </p:txBody>
       </p:sp>
@@ -7161,11 +7156,6 @@
               </a:rPr>
               <a:t>12. Perguntas</a:t>
             </a:r>
-            <a:endParaRPr lang="pt-BR" sz="1400" dirty="0">
-              <a:solidFill>
-                <a:schemeClr val="tx1"/>
-              </a:solidFill>
-            </a:endParaRPr>
           </a:p>
         </p:txBody>
       </p:sp>
@@ -7639,11 +7629,6 @@
               </a:rPr>
               <a:t>12. Perguntas</a:t>
             </a:r>
-            <a:endParaRPr lang="pt-BR" sz="1400" dirty="0">
-              <a:solidFill>
-                <a:schemeClr val="tx1"/>
-              </a:solidFill>
-            </a:endParaRPr>
           </a:p>
         </p:txBody>
       </p:sp>
@@ -8169,11 +8154,6 @@
               </a:rPr>
               <a:t>12. Perguntas</a:t>
             </a:r>
-            <a:endParaRPr lang="pt-BR" sz="1400" dirty="0">
-              <a:solidFill>
-                <a:schemeClr val="tx2"/>
-              </a:solidFill>
-            </a:endParaRPr>
           </a:p>
         </p:txBody>
       </p:sp>
@@ -8208,8 +8188,8 @@
           </a:prstGeom>
           <a:noFill/>
           <a:extLst>
-            <a:ext uri="{909E8E84-426E-40dd-AFC4-6F175D3DCCD1}">
-              <a14:hiddenFill xmlns:a14="http://schemas.microsoft.com/office/drawing/2010/main" xmlns="">
+            <a:ext uri="{909E8E84-426E-40DD-AFC4-6F175D3DCCD1}">
+              <a14:hiddenFill xmlns:a14="http://schemas.microsoft.com/office/drawing/2010/main">
                 <a:solidFill>
                   <a:srgbClr val="FFFFFF"/>
                 </a:solidFill>
@@ -8695,27 +8675,8 @@
                   </a:schemeClr>
                 </a:solidFill>
               </a:rPr>
-              <a:t>1. </a:t>
-            </a:r>
-            <a:r>
-              <a:rPr lang="pt-BR" sz="1400" dirty="0">
-                <a:solidFill>
-                  <a:schemeClr val="bg2">
-                    <a:lumMod val="40000"/>
-                    <a:lumOff val="60000"/>
-                  </a:schemeClr>
-                </a:solidFill>
-              </a:rPr>
-              <a:t>Busca de Caminho</a:t>
-            </a:r>
-            <a:endParaRPr lang="pt-BR" sz="1400" dirty="0">
-              <a:solidFill>
-                <a:schemeClr val="bg2">
-                  <a:lumMod val="40000"/>
-                  <a:lumOff val="60000"/>
-                </a:schemeClr>
-              </a:solidFill>
-            </a:endParaRPr>
+              <a:t>1. Busca de Caminho</a:t>
+            </a:r>
           </a:p>
           <a:p>
             <a:r>
@@ -8788,11 +8749,6 @@
               </a:rPr>
               <a:t>Genéticos</a:t>
             </a:r>
-            <a:endParaRPr lang="pt-BR" sz="1400" dirty="0" smtClean="0">
-              <a:solidFill>
-                <a:schemeClr val="tx1"/>
-              </a:solidFill>
-            </a:endParaRPr>
           </a:p>
           <a:p>
             <a:r>
@@ -8819,11 +8775,6 @@
               </a:rPr>
               <a:t>Genéticos e A*</a:t>
             </a:r>
-            <a:endParaRPr lang="pt-BR" sz="1400" dirty="0" smtClean="0">
-              <a:solidFill>
-                <a:schemeClr val="tx1"/>
-              </a:solidFill>
-            </a:endParaRPr>
           </a:p>
           <a:p>
             <a:r>
@@ -8852,15 +8803,7 @@
                   <a:schemeClr val="tx1"/>
                 </a:solidFill>
               </a:rPr>
-              <a:t>9</a:t>
-            </a:r>
-            <a:r>
-              <a:rPr lang="pt-BR" sz="1400" dirty="0">
-                <a:solidFill>
-                  <a:schemeClr val="tx1"/>
-                </a:solidFill>
-              </a:rPr>
-              <a:t>. Disciplinas contribuíram</a:t>
+              <a:t>9. Disciplinas contribuíram</a:t>
             </a:r>
           </a:p>
           <a:p>
@@ -9469,11 +9412,6 @@
               </a:rPr>
               <a:t>12. Perguntas</a:t>
             </a:r>
-            <a:endParaRPr lang="pt-BR" sz="1400" dirty="0">
-              <a:solidFill>
-                <a:schemeClr val="tx1"/>
-              </a:solidFill>
-            </a:endParaRPr>
           </a:p>
         </p:txBody>
       </p:sp>
@@ -10019,11 +9957,6 @@
               </a:rPr>
               <a:t>12. Perguntas</a:t>
             </a:r>
-            <a:endParaRPr lang="pt-BR" sz="1400" dirty="0">
-              <a:solidFill>
-                <a:schemeClr val="tx1"/>
-              </a:solidFill>
-            </a:endParaRPr>
           </a:p>
         </p:txBody>
       </p:sp>
@@ -10615,11 +10548,6 @@
               </a:rPr>
               <a:t>12. Perguntas</a:t>
             </a:r>
-            <a:endParaRPr lang="pt-BR" sz="1400" dirty="0">
-              <a:solidFill>
-                <a:schemeClr val="tx1"/>
-              </a:solidFill>
-            </a:endParaRPr>
           </a:p>
         </p:txBody>
       </p:sp>
@@ -11199,14 +11127,73 @@
               </a:rPr>
               <a:t>12. Perguntas</a:t>
             </a:r>
-            <a:endParaRPr lang="pt-BR" sz="1400" dirty="0">
-              <a:solidFill>
-                <a:schemeClr val="tx1"/>
-              </a:solidFill>
-            </a:endParaRPr>
-          </a:p>
-        </p:txBody>
-      </p:sp>
+          </a:p>
+        </p:txBody>
+      </p:sp>
+      <p:pic>
+        <p:nvPicPr>
+          <p:cNvPr id="1027" name="Picture 3"/>
+          <p:cNvPicPr>
+            <a:picLocks noChangeAspect="1" noChangeArrowheads="1"/>
+          </p:cNvPicPr>
+          <p:nvPr/>
+        </p:nvPicPr>
+        <p:blipFill>
+          <a:blip r:embed="rId2">
+            <a:extLst>
+              <a:ext uri="{28A0092B-C50C-407E-A947-70E740481C1C}">
+                <a14:useLocalDpi xmlns:a14="http://schemas.microsoft.com/office/drawing/2010/main" val="0"/>
+              </a:ext>
+            </a:extLst>
+          </a:blip>
+          <a:srcRect/>
+          <a:stretch>
+            <a:fillRect/>
+          </a:stretch>
+        </p:blipFill>
+        <p:spPr bwMode="auto">
+          <a:xfrm>
+            <a:off x="4856480" y="1391284"/>
+            <a:ext cx="3971925" cy="5019675"/>
+          </a:xfrm>
+          <a:prstGeom prst="rect">
+            <a:avLst/>
+          </a:prstGeom>
+          <a:noFill/>
+          <a:ln>
+            <a:noFill/>
+          </a:ln>
+          <a:effectLst/>
+          <a:extLst>
+            <a:ext uri="{909E8E84-426E-40DD-AFC4-6F175D3DCCD1}">
+              <a14:hiddenFill xmlns:a14="http://schemas.microsoft.com/office/drawing/2010/main">
+                <a:solidFill>
+                  <a:schemeClr val="accent1"/>
+                </a:solidFill>
+              </a14:hiddenFill>
+            </a:ext>
+            <a:ext uri="{91240B29-F687-4F45-9708-019B960494DF}">
+              <a14:hiddenLine xmlns:a14="http://schemas.microsoft.com/office/drawing/2010/main" w="9525">
+                <a:solidFill>
+                  <a:schemeClr val="tx1"/>
+                </a:solidFill>
+                <a:miter lim="800000"/>
+                <a:headEnd/>
+                <a:tailEnd/>
+              </a14:hiddenLine>
+            </a:ext>
+            <a:ext uri="{AF507438-7753-43E0-B8FC-AC1667EBCBE1}">
+              <a14:hiddenEffects xmlns:a14="http://schemas.microsoft.com/office/drawing/2010/main">
+                <a:effectLst>
+                  <a:outerShdw dist="35921" dir="2700000" algn="ctr" rotWithShape="0">
+                    <a:schemeClr val="bg2"/>
+                  </a:outerShdw>
+                </a:effectLst>
+              </a14:hiddenEffects>
+            </a:ext>
+          </a:extLst>
+        </p:spPr>
+      </p:pic>
     </p:spTree>
     <p:extLst>
       <p:ext uri="{BB962C8B-B14F-4D97-AF65-F5344CB8AC3E}">
@@ -11274,7 +11261,6 @@
               <a:rPr lang="pt-BR" dirty="0"/>
               <a:t>com o A*</a:t>
             </a:r>
-            <a:endParaRPr lang="pt-BR" dirty="0"/>
           </a:p>
         </p:txBody>
       </p:sp>
@@ -11682,14 +11668,50 @@
               </a:rPr>
               <a:t>12. Perguntas</a:t>
             </a:r>
-            <a:endParaRPr lang="pt-BR" sz="1400" dirty="0">
-              <a:solidFill>
-                <a:schemeClr val="tx1"/>
-              </a:solidFill>
-            </a:endParaRPr>
-          </a:p>
-        </p:txBody>
-      </p:sp>
+          </a:p>
+        </p:txBody>
+      </p:sp>
+      <p:pic>
+        <p:nvPicPr>
+          <p:cNvPr id="5" name="Picture 2" descr="C:\Users\telesl\Desktop\gastar.png"/>
+          <p:cNvPicPr>
+            <a:picLocks noChangeAspect="1" noChangeArrowheads="1"/>
+          </p:cNvPicPr>
+          <p:nvPr/>
+        </p:nvPicPr>
+        <p:blipFill>
+          <a:blip r:embed="rId2">
+            <a:extLst>
+              <a:ext uri="{28A0092B-C50C-407E-A947-70E740481C1C}">
+                <a14:useLocalDpi xmlns:a14="http://schemas.microsoft.com/office/drawing/2010/main" val="0"/>
+              </a:ext>
+            </a:extLst>
+          </a:blip>
+          <a:srcRect/>
+          <a:stretch>
+            <a:fillRect/>
+          </a:stretch>
+        </p:blipFill>
+        <p:spPr bwMode="auto">
+          <a:xfrm>
+            <a:off x="1171098" y="1932959"/>
+            <a:ext cx="7058501" cy="3712905"/>
+          </a:xfrm>
+          <a:prstGeom prst="rect">
+            <a:avLst/>
+          </a:prstGeom>
+          <a:noFill/>
+          <a:extLst>
+            <a:ext uri="{909E8E84-426E-40DD-AFC4-6F175D3DCCD1}">
+              <a14:hiddenFill xmlns:a14="http://schemas.microsoft.com/office/drawing/2010/main">
+                <a:solidFill>
+                  <a:srgbClr val="FFFFFF"/>
+                </a:solidFill>
+              </a14:hiddenFill>
+            </a:ext>
+          </a:extLst>
+        </p:spPr>
+      </p:pic>
     </p:spTree>
     <p:extLst>
       <p:ext uri="{BB962C8B-B14F-4D97-AF65-F5344CB8AC3E}">
@@ -12161,14 +12183,50 @@
               </a:rPr>
               <a:t>12. Perguntas</a:t>
             </a:r>
-            <a:endParaRPr lang="pt-BR" sz="1400" dirty="0">
-              <a:solidFill>
-                <a:schemeClr val="tx1"/>
-              </a:solidFill>
-            </a:endParaRPr>
-          </a:p>
-        </p:txBody>
-      </p:sp>
+          </a:p>
+        </p:txBody>
+      </p:sp>
+      <p:pic>
+        <p:nvPicPr>
+          <p:cNvPr id="2050" name="Picture 2" descr="C:\Users\telesl\Desktop\gastarpara.png"/>
+          <p:cNvPicPr>
+            <a:picLocks noChangeAspect="1" noChangeArrowheads="1"/>
+          </p:cNvPicPr>
+          <p:nvPr/>
+        </p:nvPicPr>
+        <p:blipFill>
+          <a:blip r:embed="rId2">
+            <a:extLst>
+              <a:ext uri="{28A0092B-C50C-407E-A947-70E740481C1C}">
+                <a14:useLocalDpi xmlns:a14="http://schemas.microsoft.com/office/drawing/2010/main" val="0"/>
+              </a:ext>
+            </a:extLst>
+          </a:blip>
+          <a:srcRect/>
+          <a:stretch>
+            <a:fillRect/>
+          </a:stretch>
+        </p:blipFill>
+        <p:spPr bwMode="auto">
+          <a:xfrm>
+            <a:off x="3183572" y="1874520"/>
+            <a:ext cx="5631695" cy="3937000"/>
+          </a:xfrm>
+          <a:prstGeom prst="rect">
+            <a:avLst/>
+          </a:prstGeom>
+          <a:noFill/>
+          <a:extLst>
+            <a:ext uri="{909E8E84-426E-40DD-AFC4-6F175D3DCCD1}">
+              <a14:hiddenFill xmlns:a14="http://schemas.microsoft.com/office/drawing/2010/main">
+                <a:solidFill>
+                  <a:srgbClr val="FFFFFF"/>
+                </a:solidFill>
+              </a14:hiddenFill>
+            </a:ext>
+          </a:extLst>
+        </p:spPr>
+      </p:pic>
     </p:spTree>
     <p:extLst>
       <p:ext uri="{BB962C8B-B14F-4D97-AF65-F5344CB8AC3E}">
@@ -12236,7 +12294,6 @@
               <a:rPr lang="pt-BR" dirty="0"/>
               <a:t>modelo</a:t>
             </a:r>
-            <a:endParaRPr lang="pt-BR" dirty="0"/>
           </a:p>
         </p:txBody>
       </p:sp>
@@ -12644,11 +12701,6 @@
               </a:rPr>
               <a:t>12. Perguntas</a:t>
             </a:r>
-            <a:endParaRPr lang="pt-BR" sz="1400" dirty="0">
-              <a:solidFill>
-                <a:schemeClr val="tx1"/>
-              </a:solidFill>
-            </a:endParaRPr>
           </a:p>
         </p:txBody>
       </p:sp>
@@ -12940,7 +12992,7 @@
   <a:extraClrSchemeLst/>
   <a:extLst>
     <a:ext uri="{05A4C25C-085E-4340-85A3-A5531E510DB2}">
-      <thm15:themeFamily xmlns:thm15="http://schemas.microsoft.com/office/thememl/2012/main" name="Slice" id="{0507925B-6AC9-4358-8E18-C330545D08F8}" vid="{19759155-7935-4C61-A06C-C04380D1B16E}"/>
+      <thm15:themeFamily xmlns:thm15="http://schemas.microsoft.com/office/thememl/2012/main" xmlns="" name="Slice" id="{0507925B-6AC9-4358-8E18-C330545D08F8}" vid="{19759155-7935-4C61-A06C-C04380D1B16E}"/>
     </a:ext>
   </a:extLst>
 </a:theme>
@@ -13201,7 +13253,7 @@
   <a:extraClrSchemeLst/>
   <a:extLst>
     <a:ext uri="{05A4C25C-085E-4340-85A3-A5531E510DB2}">
-      <thm15:themeFamily xmlns:thm15="http://schemas.microsoft.com/office/thememl/2012/main" name="Office Theme" id="{62F939B6-93AF-4DB8-9C6B-D6C7DFDC589F}" vid="{4A3C46E8-61CC-4603-A589-7422A47A8E4A}"/>
+      <thm15:themeFamily xmlns:thm15="http://schemas.microsoft.com/office/thememl/2012/main" xmlns="" name="Office Theme" id="{62F939B6-93AF-4DB8-9C6B-D6C7DFDC589F}" vid="{4A3C46E8-61CC-4603-A589-7422A47A8E4A}"/>
     </a:ext>
   </a:extLst>
 </a:theme>
